--- a/기본프로그래밍_Java_005(자쌈빠)_A2.pptx
+++ b/기본프로그래밍_Java_005(자쌈빠)_A2.pptx
@@ -13959,31 +13959,7 @@
                 <a:cs typeface="Verdana"/>
                 <a:sym typeface="Verdana"/>
               </a:rPr>
-              <a:t> </a:t>
-            </a:r>
-            <a:r>
-              <a:rPr lang="en-US" sz="15300" b="1" i="0" u="none" strike="noStrike" cap="none" dirty="0" smtClean="0">
-                <a:solidFill>
-                  <a:schemeClr val="accent1"/>
-                </a:solidFill>
-                <a:latin typeface="Verdana"/>
-                <a:ea typeface="Verdana"/>
-                <a:cs typeface="Verdana"/>
-                <a:sym typeface="Verdana"/>
-              </a:rPr>
-              <a:t>05(A2</a:t>
-            </a:r>
-            <a:r>
-              <a:rPr lang="en-US" sz="15300" b="1" i="0" u="none" strike="noStrike" cap="none" dirty="0" smtClean="0">
-                <a:solidFill>
-                  <a:schemeClr val="accent1"/>
-                </a:solidFill>
-                <a:latin typeface="Verdana"/>
-                <a:ea typeface="Verdana"/>
-                <a:cs typeface="Verdana"/>
-                <a:sym typeface="Verdana"/>
-              </a:rPr>
-              <a:t>)</a:t>
+              <a:t> 05(A2)</a:t>
             </a:r>
             <a:br>
               <a:rPr lang="en-US" sz="15300" b="1" i="0" u="none" strike="noStrike" cap="none" dirty="0" smtClean="0">
@@ -14687,7 +14663,40 @@
                   <a:ea typeface="Verdana"/>
                   <a:sym typeface="Verdana"/>
                 </a:rPr>
-                <a:t>Calculate the mean, median</a:t>
+                <a:t>Calculate </a:t>
+              </a:r>
+              <a:r>
+                <a:rPr lang="en-US" altLang="ko-KR" sz="4416" smtClean="0">
+                  <a:solidFill>
+                    <a:srgbClr val="838787"/>
+                  </a:solidFill>
+                  <a:latin typeface="Verdana"/>
+                  <a:ea typeface="Verdana"/>
+                  <a:sym typeface="Verdana"/>
+                </a:rPr>
+                <a:t>the </a:t>
+              </a:r>
+              <a:r>
+                <a:rPr lang="en-US" altLang="ko-KR" sz="4416" smtClean="0">
+                  <a:solidFill>
+                    <a:srgbClr val="838787"/>
+                  </a:solidFill>
+                  <a:latin typeface="Verdana"/>
+                  <a:ea typeface="Verdana"/>
+                  <a:sym typeface="Verdana"/>
+                </a:rPr>
+                <a:t>mean and </a:t>
+              </a:r>
+              <a:r>
+                <a:rPr lang="en-US" altLang="ko-KR" sz="4416" dirty="0" smtClean="0">
+                  <a:solidFill>
+                    <a:srgbClr val="838787"/>
+                  </a:solidFill>
+                  <a:latin typeface="Verdana"/>
+                  <a:ea typeface="Verdana"/>
+                  <a:sym typeface="Verdana"/>
+                </a:rPr>
+                <a:t>median</a:t>
               </a:r>
             </a:p>
             <a:p>
@@ -14933,7 +14942,29 @@
                   <a:ea typeface="Verdana"/>
                   <a:sym typeface="Verdana"/>
                 </a:rPr>
-                <a:t>Mean : 5.5, Max : 10, Median : 5.5</a:t>
+                <a:t>Mean : 5.5</a:t>
+              </a:r>
+              <a:r>
+                <a:rPr lang="en-US" altLang="ko-KR" sz="4416" dirty="0" smtClean="0">
+                  <a:solidFill>
+                    <a:srgbClr val="838787"/>
+                  </a:solidFill>
+                  <a:latin typeface="Verdana"/>
+                  <a:ea typeface="Verdana"/>
+                  <a:sym typeface="Verdana"/>
+                </a:rPr>
+                <a:t>, </a:t>
+              </a:r>
+              <a:r>
+                <a:rPr lang="en-US" altLang="ko-KR" sz="4416" dirty="0" smtClean="0">
+                  <a:solidFill>
+                    <a:srgbClr val="838787"/>
+                  </a:solidFill>
+                  <a:latin typeface="Verdana"/>
+                  <a:ea typeface="Verdana"/>
+                  <a:sym typeface="Verdana"/>
+                </a:rPr>
+                <a:t>Median : 5.5</a:t>
               </a:r>
               <a:endParaRPr lang="en-US" altLang="ko-KR" sz="4416" dirty="0">
                 <a:solidFill>
